--- a/Hawk Airlines Reservation System.pptx
+++ b/Hawk Airlines Reservation System.pptx
@@ -4699,8 +4699,25 @@
                 <a:effectLst/>
                 <a:cs typeface="Calibri" panose="020F0502020204030204" pitchFamily="34" charset="0"/>
               </a:rPr>
-              <a:t>A user must enter personal info for each traveler.</a:t>
-            </a:r>
+              <a:t>A user must enter personal info for each traveler as well as </a:t>
+            </a:r>
+            <a:r>
+              <a:rPr lang="en-US" sz="1800" b="0" i="0" u="none" strike="noStrike">
+                <a:solidFill>
+                  <a:srgbClr val="000000"/>
+                </a:solidFill>
+                <a:effectLst/>
+                <a:cs typeface="Calibri" panose="020F0502020204030204" pitchFamily="34" charset="0"/>
+              </a:rPr>
+              <a:t>luggage information.</a:t>
+            </a:r>
+            <a:endParaRPr lang="en-US" sz="1800" b="0" i="0" u="none" strike="noStrike" dirty="0">
+              <a:solidFill>
+                <a:srgbClr val="000000"/>
+              </a:solidFill>
+              <a:effectLst/>
+              <a:cs typeface="Calibri" panose="020F0502020204030204" pitchFamily="34" charset="0"/>
+            </a:endParaRPr>
           </a:p>
           <a:p>
             <a:pPr marL="342900" indent="-342900" fontAlgn="base">
